--- a/JS05_WEB_TRANGDIEMCODAU_DEMO/DESIGNER/COVER_FACEBOOK_2037x754.pptx
+++ b/JS05_WEB_TRANGDIEMCODAU_DEMO/DESIGNER/COVER_FACEBOOK_2037x754.pptx
@@ -6,6 +6,7 @@
   </p:sldMasterIdLst>
   <p:sldIdLst>
     <p:sldId id="281" r:id="rId2"/>
+    <p:sldId id="282" r:id="rId3"/>
   </p:sldIdLst>
   <p:sldSz cx="51206400" cy="18964275"/>
   <p:notesSz cx="6858000" cy="9144000"/>
@@ -3398,6 +3399,1686 @@
 </p:sld>
 </file>
 
+<file path=ppt/slides/slide2.xml><?xml version="1.0" encoding="utf-8"?>
+<p:sld xmlns:a="http://schemas.openxmlformats.org/drawingml/2006/main" xmlns:r="http://schemas.openxmlformats.org/officeDocument/2006/relationships" xmlns:p="http://schemas.openxmlformats.org/presentationml/2006/main">
+  <p:cSld>
+    <p:bg>
+      <p:bgPr>
+        <a:solidFill>
+          <a:srgbClr val="F2F1F4"/>
+        </a:solidFill>
+        <a:effectLst/>
+      </p:bgPr>
+    </p:bg>
+    <p:spTree>
+      <p:nvGrpSpPr>
+        <p:cNvPr id="1" name=""/>
+        <p:cNvGrpSpPr/>
+        <p:nvPr/>
+      </p:nvGrpSpPr>
+      <p:grpSpPr>
+        <a:xfrm>
+          <a:off x="0" y="0"/>
+          <a:ext cx="0" cy="0"/>
+          <a:chOff x="0" y="0"/>
+          <a:chExt cx="0" cy="0"/>
+        </a:xfrm>
+      </p:grpSpPr>
+      <p:pic>
+        <p:nvPicPr>
+          <p:cNvPr id="5" name="Picture 4"/>
+          <p:cNvPicPr>
+            <a:picLocks noChangeAspect="1"/>
+          </p:cNvPicPr>
+          <p:nvPr/>
+        </p:nvPicPr>
+        <p:blipFill>
+          <a:blip r:embed="rId2">
+            <a:extLst>
+              <a:ext uri="{28A0092B-C50C-407E-A947-70E740481C1C}">
+                <a14:useLocalDpi xmlns:a14="http://schemas.microsoft.com/office/drawing/2010/main" val="0"/>
+              </a:ext>
+            </a:extLst>
+          </a:blip>
+          <a:stretch>
+            <a:fillRect/>
+          </a:stretch>
+        </p:blipFill>
+        <p:spPr>
+          <a:xfrm>
+            <a:off x="-495300" y="0"/>
+            <a:ext cx="32346899" cy="21598294"/>
+          </a:xfrm>
+          <a:prstGeom prst="rect">
+            <a:avLst/>
+          </a:prstGeom>
+        </p:spPr>
+      </p:pic>
+      <p:sp>
+        <p:nvSpPr>
+          <p:cNvPr id="42" name="Freeform 41"/>
+          <p:cNvSpPr/>
+          <p:nvPr/>
+        </p:nvSpPr>
+        <p:spPr>
+          <a:xfrm>
+            <a:off x="1" y="0"/>
+            <a:ext cx="51206399" cy="18964276"/>
+          </a:xfrm>
+          <a:custGeom>
+            <a:avLst/>
+            <a:gdLst>
+              <a:gd name="connsiteX0" fmla="*/ 4809065 w 51206399"/>
+              <a:gd name="connsiteY0" fmla="*/ 0 h 18964276"/>
+              <a:gd name="connsiteX1" fmla="*/ 5063065 w 51206399"/>
+              <a:gd name="connsiteY1" fmla="*/ 0 h 18964276"/>
+              <a:gd name="connsiteX2" fmla="*/ 5063065 w 51206399"/>
+              <a:gd name="connsiteY2" fmla="*/ 3550312 h 18964276"/>
+              <a:gd name="connsiteX3" fmla="*/ 5746086 w 51206399"/>
+              <a:gd name="connsiteY3" fmla="*/ 4233333 h 18964276"/>
+              <a:gd name="connsiteX4" fmla="*/ 10713111 w 51206399"/>
+              <a:gd name="connsiteY4" fmla="*/ 4233333 h 18964276"/>
+              <a:gd name="connsiteX5" fmla="*/ 11396132 w 51206399"/>
+              <a:gd name="connsiteY5" fmla="*/ 3550312 h 18964276"/>
+              <a:gd name="connsiteX6" fmla="*/ 11396132 w 51206399"/>
+              <a:gd name="connsiteY6" fmla="*/ 0 h 18964276"/>
+              <a:gd name="connsiteX7" fmla="*/ 11650132 w 51206399"/>
+              <a:gd name="connsiteY7" fmla="*/ 0 h 18964276"/>
+              <a:gd name="connsiteX8" fmla="*/ 11650132 w 51206399"/>
+              <a:gd name="connsiteY8" fmla="*/ 3550312 h 18964276"/>
+              <a:gd name="connsiteX9" fmla="*/ 12333153 w 51206399"/>
+              <a:gd name="connsiteY9" fmla="*/ 4233333 h 18964276"/>
+              <a:gd name="connsiteX10" fmla="*/ 17300179 w 51206399"/>
+              <a:gd name="connsiteY10" fmla="*/ 4233333 h 18964276"/>
+              <a:gd name="connsiteX11" fmla="*/ 17983199 w 51206399"/>
+              <a:gd name="connsiteY11" fmla="*/ 3550312 h 18964276"/>
+              <a:gd name="connsiteX12" fmla="*/ 17983199 w 51206399"/>
+              <a:gd name="connsiteY12" fmla="*/ 0 h 18964276"/>
+              <a:gd name="connsiteX13" fmla="*/ 18237199 w 51206399"/>
+              <a:gd name="connsiteY13" fmla="*/ 0 h 18964276"/>
+              <a:gd name="connsiteX14" fmla="*/ 18237199 w 51206399"/>
+              <a:gd name="connsiteY14" fmla="*/ 3550312 h 18964276"/>
+              <a:gd name="connsiteX15" fmla="*/ 18920219 w 51206399"/>
+              <a:gd name="connsiteY15" fmla="*/ 4233333 h 18964276"/>
+              <a:gd name="connsiteX16" fmla="*/ 23887245 w 51206399"/>
+              <a:gd name="connsiteY16" fmla="*/ 4233333 h 18964276"/>
+              <a:gd name="connsiteX17" fmla="*/ 24570267 w 51206399"/>
+              <a:gd name="connsiteY17" fmla="*/ 3550312 h 18964276"/>
+              <a:gd name="connsiteX18" fmla="*/ 24570267 w 51206399"/>
+              <a:gd name="connsiteY18" fmla="*/ 0 h 18964276"/>
+              <a:gd name="connsiteX19" fmla="*/ 24824267 w 51206399"/>
+              <a:gd name="connsiteY19" fmla="*/ 0 h 18964276"/>
+              <a:gd name="connsiteX20" fmla="*/ 24824267 w 51206399"/>
+              <a:gd name="connsiteY20" fmla="*/ 3550312 h 18964276"/>
+              <a:gd name="connsiteX21" fmla="*/ 25507287 w 51206399"/>
+              <a:gd name="connsiteY21" fmla="*/ 4233333 h 18964276"/>
+              <a:gd name="connsiteX22" fmla="*/ 30474311 w 51206399"/>
+              <a:gd name="connsiteY22" fmla="*/ 4233333 h 18964276"/>
+              <a:gd name="connsiteX23" fmla="*/ 31157333 w 51206399"/>
+              <a:gd name="connsiteY23" fmla="*/ 3550312 h 18964276"/>
+              <a:gd name="connsiteX24" fmla="*/ 31157333 w 51206399"/>
+              <a:gd name="connsiteY24" fmla="*/ 0 h 18964276"/>
+              <a:gd name="connsiteX25" fmla="*/ 51206399 w 51206399"/>
+              <a:gd name="connsiteY25" fmla="*/ 0 h 18964276"/>
+              <a:gd name="connsiteX26" fmla="*/ 51206399 w 51206399"/>
+              <a:gd name="connsiteY26" fmla="*/ 18964276 h 18964276"/>
+              <a:gd name="connsiteX27" fmla="*/ 31157333 w 51206399"/>
+              <a:gd name="connsiteY27" fmla="*/ 18964276 h 18964276"/>
+              <a:gd name="connsiteX28" fmla="*/ 31157333 w 51206399"/>
+              <a:gd name="connsiteY28" fmla="*/ 18649288 h 18964276"/>
+              <a:gd name="connsiteX29" fmla="*/ 30474311 w 51206399"/>
+              <a:gd name="connsiteY29" fmla="*/ 17966266 h 18964276"/>
+              <a:gd name="connsiteX30" fmla="*/ 25507287 w 51206399"/>
+              <a:gd name="connsiteY30" fmla="*/ 17966266 h 18964276"/>
+              <a:gd name="connsiteX31" fmla="*/ 24824267 w 51206399"/>
+              <a:gd name="connsiteY31" fmla="*/ 18649288 h 18964276"/>
+              <a:gd name="connsiteX32" fmla="*/ 24824267 w 51206399"/>
+              <a:gd name="connsiteY32" fmla="*/ 18964276 h 18964276"/>
+              <a:gd name="connsiteX33" fmla="*/ 24570267 w 51206399"/>
+              <a:gd name="connsiteY33" fmla="*/ 18964276 h 18964276"/>
+              <a:gd name="connsiteX34" fmla="*/ 24570267 w 51206399"/>
+              <a:gd name="connsiteY34" fmla="*/ 18649288 h 18964276"/>
+              <a:gd name="connsiteX35" fmla="*/ 23887245 w 51206399"/>
+              <a:gd name="connsiteY35" fmla="*/ 17966266 h 18964276"/>
+              <a:gd name="connsiteX36" fmla="*/ 18920219 w 51206399"/>
+              <a:gd name="connsiteY36" fmla="*/ 17966266 h 18964276"/>
+              <a:gd name="connsiteX37" fmla="*/ 18237199 w 51206399"/>
+              <a:gd name="connsiteY37" fmla="*/ 18649288 h 18964276"/>
+              <a:gd name="connsiteX38" fmla="*/ 18237199 w 51206399"/>
+              <a:gd name="connsiteY38" fmla="*/ 18964276 h 18964276"/>
+              <a:gd name="connsiteX39" fmla="*/ 17983199 w 51206399"/>
+              <a:gd name="connsiteY39" fmla="*/ 18964276 h 18964276"/>
+              <a:gd name="connsiteX40" fmla="*/ 17983199 w 51206399"/>
+              <a:gd name="connsiteY40" fmla="*/ 18649288 h 18964276"/>
+              <a:gd name="connsiteX41" fmla="*/ 17300179 w 51206399"/>
+              <a:gd name="connsiteY41" fmla="*/ 17966266 h 18964276"/>
+              <a:gd name="connsiteX42" fmla="*/ 12333153 w 51206399"/>
+              <a:gd name="connsiteY42" fmla="*/ 17966266 h 18964276"/>
+              <a:gd name="connsiteX43" fmla="*/ 11650132 w 51206399"/>
+              <a:gd name="connsiteY43" fmla="*/ 18649288 h 18964276"/>
+              <a:gd name="connsiteX44" fmla="*/ 11650132 w 51206399"/>
+              <a:gd name="connsiteY44" fmla="*/ 18964276 h 18964276"/>
+              <a:gd name="connsiteX45" fmla="*/ 11396132 w 51206399"/>
+              <a:gd name="connsiteY45" fmla="*/ 18964276 h 18964276"/>
+              <a:gd name="connsiteX46" fmla="*/ 11396132 w 51206399"/>
+              <a:gd name="connsiteY46" fmla="*/ 18649288 h 18964276"/>
+              <a:gd name="connsiteX47" fmla="*/ 10713111 w 51206399"/>
+              <a:gd name="connsiteY47" fmla="*/ 17966266 h 18964276"/>
+              <a:gd name="connsiteX48" fmla="*/ 5746086 w 51206399"/>
+              <a:gd name="connsiteY48" fmla="*/ 17966266 h 18964276"/>
+              <a:gd name="connsiteX49" fmla="*/ 5063065 w 51206399"/>
+              <a:gd name="connsiteY49" fmla="*/ 18649288 h 18964276"/>
+              <a:gd name="connsiteX50" fmla="*/ 5063065 w 51206399"/>
+              <a:gd name="connsiteY50" fmla="*/ 18964276 h 18964276"/>
+              <a:gd name="connsiteX51" fmla="*/ 4809065 w 51206399"/>
+              <a:gd name="connsiteY51" fmla="*/ 18964276 h 18964276"/>
+              <a:gd name="connsiteX52" fmla="*/ 4809065 w 51206399"/>
+              <a:gd name="connsiteY52" fmla="*/ 18649288 h 18964276"/>
+              <a:gd name="connsiteX53" fmla="*/ 4126044 w 51206399"/>
+              <a:gd name="connsiteY53" fmla="*/ 17966266 h 18964276"/>
+              <a:gd name="connsiteX54" fmla="*/ 0 w 51206399"/>
+              <a:gd name="connsiteY54" fmla="*/ 17966266 h 18964276"/>
+              <a:gd name="connsiteX55" fmla="*/ 0 w 51206399"/>
+              <a:gd name="connsiteY55" fmla="*/ 17678400 h 18964276"/>
+              <a:gd name="connsiteX56" fmla="*/ 4126044 w 51206399"/>
+              <a:gd name="connsiteY56" fmla="*/ 17678400 h 18964276"/>
+              <a:gd name="connsiteX57" fmla="*/ 4809065 w 51206399"/>
+              <a:gd name="connsiteY57" fmla="*/ 16995378 h 18964276"/>
+              <a:gd name="connsiteX58" fmla="*/ 4809065 w 51206399"/>
+              <a:gd name="connsiteY58" fmla="*/ 11926754 h 18964276"/>
+              <a:gd name="connsiteX59" fmla="*/ 4126044 w 51206399"/>
+              <a:gd name="connsiteY59" fmla="*/ 11243733 h 18964276"/>
+              <a:gd name="connsiteX60" fmla="*/ 0 w 51206399"/>
+              <a:gd name="connsiteY60" fmla="*/ 11243733 h 18964276"/>
+              <a:gd name="connsiteX61" fmla="*/ 0 w 51206399"/>
+              <a:gd name="connsiteY61" fmla="*/ 10955866 h 18964276"/>
+              <a:gd name="connsiteX62" fmla="*/ 4126044 w 51206399"/>
+              <a:gd name="connsiteY62" fmla="*/ 10955866 h 18964276"/>
+              <a:gd name="connsiteX63" fmla="*/ 4809065 w 51206399"/>
+              <a:gd name="connsiteY63" fmla="*/ 10272845 h 18964276"/>
+              <a:gd name="connsiteX64" fmla="*/ 4809065 w 51206399"/>
+              <a:gd name="connsiteY64" fmla="*/ 5204221 h 18964276"/>
+              <a:gd name="connsiteX65" fmla="*/ 4126044 w 51206399"/>
+              <a:gd name="connsiteY65" fmla="*/ 4521200 h 18964276"/>
+              <a:gd name="connsiteX66" fmla="*/ 0 w 51206399"/>
+              <a:gd name="connsiteY66" fmla="*/ 4521200 h 18964276"/>
+              <a:gd name="connsiteX67" fmla="*/ 0 w 51206399"/>
+              <a:gd name="connsiteY67" fmla="*/ 4233333 h 18964276"/>
+              <a:gd name="connsiteX68" fmla="*/ 4126044 w 51206399"/>
+              <a:gd name="connsiteY68" fmla="*/ 4233333 h 18964276"/>
+              <a:gd name="connsiteX69" fmla="*/ 4809065 w 51206399"/>
+              <a:gd name="connsiteY69" fmla="*/ 3550312 h 18964276"/>
+              <a:gd name="connsiteX70" fmla="*/ 4809065 w 51206399"/>
+              <a:gd name="connsiteY70" fmla="*/ 0 h 18964276"/>
+              <a:gd name="connsiteX71" fmla="*/ 5746086 w 51206399"/>
+              <a:gd name="connsiteY71" fmla="*/ 4521200 h 18964276"/>
+              <a:gd name="connsiteX72" fmla="*/ 5063065 w 51206399"/>
+              <a:gd name="connsiteY72" fmla="*/ 5204221 h 18964276"/>
+              <a:gd name="connsiteX73" fmla="*/ 5063065 w 51206399"/>
+              <a:gd name="connsiteY73" fmla="*/ 10272845 h 18964276"/>
+              <a:gd name="connsiteX74" fmla="*/ 5746086 w 51206399"/>
+              <a:gd name="connsiteY74" fmla="*/ 10955866 h 18964276"/>
+              <a:gd name="connsiteX75" fmla="*/ 10713111 w 51206399"/>
+              <a:gd name="connsiteY75" fmla="*/ 10955866 h 18964276"/>
+              <a:gd name="connsiteX76" fmla="*/ 11396132 w 51206399"/>
+              <a:gd name="connsiteY76" fmla="*/ 10272845 h 18964276"/>
+              <a:gd name="connsiteX77" fmla="*/ 11396132 w 51206399"/>
+              <a:gd name="connsiteY77" fmla="*/ 5204221 h 18964276"/>
+              <a:gd name="connsiteX78" fmla="*/ 10713111 w 51206399"/>
+              <a:gd name="connsiteY78" fmla="*/ 4521200 h 18964276"/>
+              <a:gd name="connsiteX79" fmla="*/ 5746086 w 51206399"/>
+              <a:gd name="connsiteY79" fmla="*/ 4521200 h 18964276"/>
+              <a:gd name="connsiteX80" fmla="*/ 12333153 w 51206399"/>
+              <a:gd name="connsiteY80" fmla="*/ 4521200 h 18964276"/>
+              <a:gd name="connsiteX81" fmla="*/ 11650132 w 51206399"/>
+              <a:gd name="connsiteY81" fmla="*/ 5204221 h 18964276"/>
+              <a:gd name="connsiteX82" fmla="*/ 11650132 w 51206399"/>
+              <a:gd name="connsiteY82" fmla="*/ 10272845 h 18964276"/>
+              <a:gd name="connsiteX83" fmla="*/ 12333153 w 51206399"/>
+              <a:gd name="connsiteY83" fmla="*/ 10955866 h 18964276"/>
+              <a:gd name="connsiteX84" fmla="*/ 17300179 w 51206399"/>
+              <a:gd name="connsiteY84" fmla="*/ 10955866 h 18964276"/>
+              <a:gd name="connsiteX85" fmla="*/ 17983199 w 51206399"/>
+              <a:gd name="connsiteY85" fmla="*/ 10272845 h 18964276"/>
+              <a:gd name="connsiteX86" fmla="*/ 17983199 w 51206399"/>
+              <a:gd name="connsiteY86" fmla="*/ 5204221 h 18964276"/>
+              <a:gd name="connsiteX87" fmla="*/ 17300179 w 51206399"/>
+              <a:gd name="connsiteY87" fmla="*/ 4521200 h 18964276"/>
+              <a:gd name="connsiteX88" fmla="*/ 12333153 w 51206399"/>
+              <a:gd name="connsiteY88" fmla="*/ 4521200 h 18964276"/>
+              <a:gd name="connsiteX89" fmla="*/ 18920219 w 51206399"/>
+              <a:gd name="connsiteY89" fmla="*/ 4521200 h 18964276"/>
+              <a:gd name="connsiteX90" fmla="*/ 18237199 w 51206399"/>
+              <a:gd name="connsiteY90" fmla="*/ 5204221 h 18964276"/>
+              <a:gd name="connsiteX91" fmla="*/ 18237199 w 51206399"/>
+              <a:gd name="connsiteY91" fmla="*/ 10272845 h 18964276"/>
+              <a:gd name="connsiteX92" fmla="*/ 18920219 w 51206399"/>
+              <a:gd name="connsiteY92" fmla="*/ 10955866 h 18964276"/>
+              <a:gd name="connsiteX93" fmla="*/ 23887245 w 51206399"/>
+              <a:gd name="connsiteY93" fmla="*/ 10955866 h 18964276"/>
+              <a:gd name="connsiteX94" fmla="*/ 24570267 w 51206399"/>
+              <a:gd name="connsiteY94" fmla="*/ 10272845 h 18964276"/>
+              <a:gd name="connsiteX95" fmla="*/ 24570267 w 51206399"/>
+              <a:gd name="connsiteY95" fmla="*/ 5204221 h 18964276"/>
+              <a:gd name="connsiteX96" fmla="*/ 23887245 w 51206399"/>
+              <a:gd name="connsiteY96" fmla="*/ 4521200 h 18964276"/>
+              <a:gd name="connsiteX97" fmla="*/ 18920219 w 51206399"/>
+              <a:gd name="connsiteY97" fmla="*/ 4521200 h 18964276"/>
+              <a:gd name="connsiteX98" fmla="*/ 25507287 w 51206399"/>
+              <a:gd name="connsiteY98" fmla="*/ 4521200 h 18964276"/>
+              <a:gd name="connsiteX99" fmla="*/ 24824267 w 51206399"/>
+              <a:gd name="connsiteY99" fmla="*/ 5204221 h 18964276"/>
+              <a:gd name="connsiteX100" fmla="*/ 24824267 w 51206399"/>
+              <a:gd name="connsiteY100" fmla="*/ 10272845 h 18964276"/>
+              <a:gd name="connsiteX101" fmla="*/ 25507287 w 51206399"/>
+              <a:gd name="connsiteY101" fmla="*/ 10955866 h 18964276"/>
+              <a:gd name="connsiteX102" fmla="*/ 30474311 w 51206399"/>
+              <a:gd name="connsiteY102" fmla="*/ 10955866 h 18964276"/>
+              <a:gd name="connsiteX103" fmla="*/ 31157333 w 51206399"/>
+              <a:gd name="connsiteY103" fmla="*/ 10272845 h 18964276"/>
+              <a:gd name="connsiteX104" fmla="*/ 31157333 w 51206399"/>
+              <a:gd name="connsiteY104" fmla="*/ 5204221 h 18964276"/>
+              <a:gd name="connsiteX105" fmla="*/ 30474311 w 51206399"/>
+              <a:gd name="connsiteY105" fmla="*/ 4521200 h 18964276"/>
+              <a:gd name="connsiteX106" fmla="*/ 25507287 w 51206399"/>
+              <a:gd name="connsiteY106" fmla="*/ 4521200 h 18964276"/>
+              <a:gd name="connsiteX107" fmla="*/ 5746086 w 51206399"/>
+              <a:gd name="connsiteY107" fmla="*/ 11243733 h 18964276"/>
+              <a:gd name="connsiteX108" fmla="*/ 5063065 w 51206399"/>
+              <a:gd name="connsiteY108" fmla="*/ 11926754 h 18964276"/>
+              <a:gd name="connsiteX109" fmla="*/ 5063065 w 51206399"/>
+              <a:gd name="connsiteY109" fmla="*/ 16995378 h 18964276"/>
+              <a:gd name="connsiteX110" fmla="*/ 5746086 w 51206399"/>
+              <a:gd name="connsiteY110" fmla="*/ 17678400 h 18964276"/>
+              <a:gd name="connsiteX111" fmla="*/ 10713111 w 51206399"/>
+              <a:gd name="connsiteY111" fmla="*/ 17678400 h 18964276"/>
+              <a:gd name="connsiteX112" fmla="*/ 11396132 w 51206399"/>
+              <a:gd name="connsiteY112" fmla="*/ 16995378 h 18964276"/>
+              <a:gd name="connsiteX113" fmla="*/ 11396132 w 51206399"/>
+              <a:gd name="connsiteY113" fmla="*/ 11926754 h 18964276"/>
+              <a:gd name="connsiteX114" fmla="*/ 10713111 w 51206399"/>
+              <a:gd name="connsiteY114" fmla="*/ 11243733 h 18964276"/>
+              <a:gd name="connsiteX115" fmla="*/ 5746086 w 51206399"/>
+              <a:gd name="connsiteY115" fmla="*/ 11243733 h 18964276"/>
+              <a:gd name="connsiteX116" fmla="*/ 12333153 w 51206399"/>
+              <a:gd name="connsiteY116" fmla="*/ 11243733 h 18964276"/>
+              <a:gd name="connsiteX117" fmla="*/ 11650132 w 51206399"/>
+              <a:gd name="connsiteY117" fmla="*/ 11926754 h 18964276"/>
+              <a:gd name="connsiteX118" fmla="*/ 11650132 w 51206399"/>
+              <a:gd name="connsiteY118" fmla="*/ 16995378 h 18964276"/>
+              <a:gd name="connsiteX119" fmla="*/ 12333153 w 51206399"/>
+              <a:gd name="connsiteY119" fmla="*/ 17678400 h 18964276"/>
+              <a:gd name="connsiteX120" fmla="*/ 17300179 w 51206399"/>
+              <a:gd name="connsiteY120" fmla="*/ 17678400 h 18964276"/>
+              <a:gd name="connsiteX121" fmla="*/ 17983199 w 51206399"/>
+              <a:gd name="connsiteY121" fmla="*/ 16995378 h 18964276"/>
+              <a:gd name="connsiteX122" fmla="*/ 17983199 w 51206399"/>
+              <a:gd name="connsiteY122" fmla="*/ 11926754 h 18964276"/>
+              <a:gd name="connsiteX123" fmla="*/ 17300179 w 51206399"/>
+              <a:gd name="connsiteY123" fmla="*/ 11243733 h 18964276"/>
+              <a:gd name="connsiteX124" fmla="*/ 12333153 w 51206399"/>
+              <a:gd name="connsiteY124" fmla="*/ 11243733 h 18964276"/>
+              <a:gd name="connsiteX125" fmla="*/ 18920219 w 51206399"/>
+              <a:gd name="connsiteY125" fmla="*/ 11243733 h 18964276"/>
+              <a:gd name="connsiteX126" fmla="*/ 18237199 w 51206399"/>
+              <a:gd name="connsiteY126" fmla="*/ 11926754 h 18964276"/>
+              <a:gd name="connsiteX127" fmla="*/ 18237199 w 51206399"/>
+              <a:gd name="connsiteY127" fmla="*/ 16995378 h 18964276"/>
+              <a:gd name="connsiteX128" fmla="*/ 18920219 w 51206399"/>
+              <a:gd name="connsiteY128" fmla="*/ 17678400 h 18964276"/>
+              <a:gd name="connsiteX129" fmla="*/ 23887245 w 51206399"/>
+              <a:gd name="connsiteY129" fmla="*/ 17678400 h 18964276"/>
+              <a:gd name="connsiteX130" fmla="*/ 24570267 w 51206399"/>
+              <a:gd name="connsiteY130" fmla="*/ 16995378 h 18964276"/>
+              <a:gd name="connsiteX131" fmla="*/ 24570267 w 51206399"/>
+              <a:gd name="connsiteY131" fmla="*/ 11926754 h 18964276"/>
+              <a:gd name="connsiteX132" fmla="*/ 23887245 w 51206399"/>
+              <a:gd name="connsiteY132" fmla="*/ 11243733 h 18964276"/>
+              <a:gd name="connsiteX133" fmla="*/ 18920219 w 51206399"/>
+              <a:gd name="connsiteY133" fmla="*/ 11243733 h 18964276"/>
+              <a:gd name="connsiteX134" fmla="*/ 25507287 w 51206399"/>
+              <a:gd name="connsiteY134" fmla="*/ 11243733 h 18964276"/>
+              <a:gd name="connsiteX135" fmla="*/ 24824267 w 51206399"/>
+              <a:gd name="connsiteY135" fmla="*/ 11926754 h 18964276"/>
+              <a:gd name="connsiteX136" fmla="*/ 24824267 w 51206399"/>
+              <a:gd name="connsiteY136" fmla="*/ 16995378 h 18964276"/>
+              <a:gd name="connsiteX137" fmla="*/ 25507287 w 51206399"/>
+              <a:gd name="connsiteY137" fmla="*/ 17678400 h 18964276"/>
+              <a:gd name="connsiteX138" fmla="*/ 30474311 w 51206399"/>
+              <a:gd name="connsiteY138" fmla="*/ 17678400 h 18964276"/>
+              <a:gd name="connsiteX139" fmla="*/ 31157333 w 51206399"/>
+              <a:gd name="connsiteY139" fmla="*/ 16995378 h 18964276"/>
+              <a:gd name="connsiteX140" fmla="*/ 31157333 w 51206399"/>
+              <a:gd name="connsiteY140" fmla="*/ 11926754 h 18964276"/>
+              <a:gd name="connsiteX141" fmla="*/ 30474311 w 51206399"/>
+              <a:gd name="connsiteY141" fmla="*/ 11243733 h 18964276"/>
+              <a:gd name="connsiteX142" fmla="*/ 25507287 w 51206399"/>
+              <a:gd name="connsiteY142" fmla="*/ 11243733 h 18964276"/>
+            </a:gdLst>
+            <a:ahLst/>
+            <a:cxnLst>
+              <a:cxn ang="0">
+                <a:pos x="connsiteX0" y="connsiteY0"/>
+              </a:cxn>
+              <a:cxn ang="0">
+                <a:pos x="connsiteX1" y="connsiteY1"/>
+              </a:cxn>
+              <a:cxn ang="0">
+                <a:pos x="connsiteX2" y="connsiteY2"/>
+              </a:cxn>
+              <a:cxn ang="0">
+                <a:pos x="connsiteX3" y="connsiteY3"/>
+              </a:cxn>
+              <a:cxn ang="0">
+                <a:pos x="connsiteX4" y="connsiteY4"/>
+              </a:cxn>
+              <a:cxn ang="0">
+                <a:pos x="connsiteX5" y="connsiteY5"/>
+              </a:cxn>
+              <a:cxn ang="0">
+                <a:pos x="connsiteX6" y="connsiteY6"/>
+              </a:cxn>
+              <a:cxn ang="0">
+                <a:pos x="connsiteX7" y="connsiteY7"/>
+              </a:cxn>
+              <a:cxn ang="0">
+                <a:pos x="connsiteX8" y="connsiteY8"/>
+              </a:cxn>
+              <a:cxn ang="0">
+                <a:pos x="connsiteX9" y="connsiteY9"/>
+              </a:cxn>
+              <a:cxn ang="0">
+                <a:pos x="connsiteX10" y="connsiteY10"/>
+              </a:cxn>
+              <a:cxn ang="0">
+                <a:pos x="connsiteX11" y="connsiteY11"/>
+              </a:cxn>
+              <a:cxn ang="0">
+                <a:pos x="connsiteX12" y="connsiteY12"/>
+              </a:cxn>
+              <a:cxn ang="0">
+                <a:pos x="connsiteX13" y="connsiteY13"/>
+              </a:cxn>
+              <a:cxn ang="0">
+                <a:pos x="connsiteX14" y="connsiteY14"/>
+              </a:cxn>
+              <a:cxn ang="0">
+                <a:pos x="connsiteX15" y="connsiteY15"/>
+              </a:cxn>
+              <a:cxn ang="0">
+                <a:pos x="connsiteX16" y="connsiteY16"/>
+              </a:cxn>
+              <a:cxn ang="0">
+                <a:pos x="connsiteX17" y="connsiteY17"/>
+              </a:cxn>
+              <a:cxn ang="0">
+                <a:pos x="connsiteX18" y="connsiteY18"/>
+              </a:cxn>
+              <a:cxn ang="0">
+                <a:pos x="connsiteX19" y="connsiteY19"/>
+              </a:cxn>
+              <a:cxn ang="0">
+                <a:pos x="connsiteX20" y="connsiteY20"/>
+              </a:cxn>
+              <a:cxn ang="0">
+                <a:pos x="connsiteX21" y="connsiteY21"/>
+              </a:cxn>
+              <a:cxn ang="0">
+                <a:pos x="connsiteX22" y="connsiteY22"/>
+              </a:cxn>
+              <a:cxn ang="0">
+                <a:pos x="connsiteX23" y="connsiteY23"/>
+              </a:cxn>
+              <a:cxn ang="0">
+                <a:pos x="connsiteX24" y="connsiteY24"/>
+              </a:cxn>
+              <a:cxn ang="0">
+                <a:pos x="connsiteX25" y="connsiteY25"/>
+              </a:cxn>
+              <a:cxn ang="0">
+                <a:pos x="connsiteX26" y="connsiteY26"/>
+              </a:cxn>
+              <a:cxn ang="0">
+                <a:pos x="connsiteX27" y="connsiteY27"/>
+              </a:cxn>
+              <a:cxn ang="0">
+                <a:pos x="connsiteX28" y="connsiteY28"/>
+              </a:cxn>
+              <a:cxn ang="0">
+                <a:pos x="connsiteX29" y="connsiteY29"/>
+              </a:cxn>
+              <a:cxn ang="0">
+                <a:pos x="connsiteX30" y="connsiteY30"/>
+              </a:cxn>
+              <a:cxn ang="0">
+                <a:pos x="connsiteX31" y="connsiteY31"/>
+              </a:cxn>
+              <a:cxn ang="0">
+                <a:pos x="connsiteX32" y="connsiteY32"/>
+              </a:cxn>
+              <a:cxn ang="0">
+                <a:pos x="connsiteX33" y="connsiteY33"/>
+              </a:cxn>
+              <a:cxn ang="0">
+                <a:pos x="connsiteX34" y="connsiteY34"/>
+              </a:cxn>
+              <a:cxn ang="0">
+                <a:pos x="connsiteX35" y="connsiteY35"/>
+              </a:cxn>
+              <a:cxn ang="0">
+                <a:pos x="connsiteX36" y="connsiteY36"/>
+              </a:cxn>
+              <a:cxn ang="0">
+                <a:pos x="connsiteX37" y="connsiteY37"/>
+              </a:cxn>
+              <a:cxn ang="0">
+                <a:pos x="connsiteX38" y="connsiteY38"/>
+              </a:cxn>
+              <a:cxn ang="0">
+                <a:pos x="connsiteX39" y="connsiteY39"/>
+              </a:cxn>
+              <a:cxn ang="0">
+                <a:pos x="connsiteX40" y="connsiteY40"/>
+              </a:cxn>
+              <a:cxn ang="0">
+                <a:pos x="connsiteX41" y="connsiteY41"/>
+              </a:cxn>
+              <a:cxn ang="0">
+                <a:pos x="connsiteX42" y="connsiteY42"/>
+              </a:cxn>
+              <a:cxn ang="0">
+                <a:pos x="connsiteX43" y="connsiteY43"/>
+              </a:cxn>
+              <a:cxn ang="0">
+                <a:pos x="connsiteX44" y="connsiteY44"/>
+              </a:cxn>
+              <a:cxn ang="0">
+                <a:pos x="connsiteX45" y="connsiteY45"/>
+              </a:cxn>
+              <a:cxn ang="0">
+                <a:pos x="connsiteX46" y="connsiteY46"/>
+              </a:cxn>
+              <a:cxn ang="0">
+                <a:pos x="connsiteX47" y="connsiteY47"/>
+              </a:cxn>
+              <a:cxn ang="0">
+                <a:pos x="connsiteX48" y="connsiteY48"/>
+              </a:cxn>
+              <a:cxn ang="0">
+                <a:pos x="connsiteX49" y="connsiteY49"/>
+              </a:cxn>
+              <a:cxn ang="0">
+                <a:pos x="connsiteX50" y="connsiteY50"/>
+              </a:cxn>
+              <a:cxn ang="0">
+                <a:pos x="connsiteX51" y="connsiteY51"/>
+              </a:cxn>
+              <a:cxn ang="0">
+                <a:pos x="connsiteX52" y="connsiteY52"/>
+              </a:cxn>
+              <a:cxn ang="0">
+                <a:pos x="connsiteX53" y="connsiteY53"/>
+              </a:cxn>
+              <a:cxn ang="0">
+                <a:pos x="connsiteX54" y="connsiteY54"/>
+              </a:cxn>
+              <a:cxn ang="0">
+                <a:pos x="connsiteX55" y="connsiteY55"/>
+              </a:cxn>
+              <a:cxn ang="0">
+                <a:pos x="connsiteX56" y="connsiteY56"/>
+              </a:cxn>
+              <a:cxn ang="0">
+                <a:pos x="connsiteX57" y="connsiteY57"/>
+              </a:cxn>
+              <a:cxn ang="0">
+                <a:pos x="connsiteX58" y="connsiteY58"/>
+              </a:cxn>
+              <a:cxn ang="0">
+                <a:pos x="connsiteX59" y="connsiteY59"/>
+              </a:cxn>
+              <a:cxn ang="0">
+                <a:pos x="connsiteX60" y="connsiteY60"/>
+              </a:cxn>
+              <a:cxn ang="0">
+                <a:pos x="connsiteX61" y="connsiteY61"/>
+              </a:cxn>
+              <a:cxn ang="0">
+                <a:pos x="connsiteX62" y="connsiteY62"/>
+              </a:cxn>
+              <a:cxn ang="0">
+                <a:pos x="connsiteX63" y="connsiteY63"/>
+              </a:cxn>
+              <a:cxn ang="0">
+                <a:pos x="connsiteX64" y="connsiteY64"/>
+              </a:cxn>
+              <a:cxn ang="0">
+                <a:pos x="connsiteX65" y="connsiteY65"/>
+              </a:cxn>
+              <a:cxn ang="0">
+                <a:pos x="connsiteX66" y="connsiteY66"/>
+              </a:cxn>
+              <a:cxn ang="0">
+                <a:pos x="connsiteX67" y="connsiteY67"/>
+              </a:cxn>
+              <a:cxn ang="0">
+                <a:pos x="connsiteX68" y="connsiteY68"/>
+              </a:cxn>
+              <a:cxn ang="0">
+                <a:pos x="connsiteX69" y="connsiteY69"/>
+              </a:cxn>
+              <a:cxn ang="0">
+                <a:pos x="connsiteX70" y="connsiteY70"/>
+              </a:cxn>
+              <a:cxn ang="0">
+                <a:pos x="connsiteX71" y="connsiteY71"/>
+              </a:cxn>
+              <a:cxn ang="0">
+                <a:pos x="connsiteX72" y="connsiteY72"/>
+              </a:cxn>
+              <a:cxn ang="0">
+                <a:pos x="connsiteX73" y="connsiteY73"/>
+              </a:cxn>
+              <a:cxn ang="0">
+                <a:pos x="connsiteX74" y="connsiteY74"/>
+              </a:cxn>
+              <a:cxn ang="0">
+                <a:pos x="connsiteX75" y="connsiteY75"/>
+              </a:cxn>
+              <a:cxn ang="0">
+                <a:pos x="connsiteX76" y="connsiteY76"/>
+              </a:cxn>
+              <a:cxn ang="0">
+                <a:pos x="connsiteX77" y="connsiteY77"/>
+              </a:cxn>
+              <a:cxn ang="0">
+                <a:pos x="connsiteX78" y="connsiteY78"/>
+              </a:cxn>
+              <a:cxn ang="0">
+                <a:pos x="connsiteX79" y="connsiteY79"/>
+              </a:cxn>
+              <a:cxn ang="0">
+                <a:pos x="connsiteX80" y="connsiteY80"/>
+              </a:cxn>
+              <a:cxn ang="0">
+                <a:pos x="connsiteX81" y="connsiteY81"/>
+              </a:cxn>
+              <a:cxn ang="0">
+                <a:pos x="connsiteX82" y="connsiteY82"/>
+              </a:cxn>
+              <a:cxn ang="0">
+                <a:pos x="connsiteX83" y="connsiteY83"/>
+              </a:cxn>
+              <a:cxn ang="0">
+                <a:pos x="connsiteX84" y="connsiteY84"/>
+              </a:cxn>
+              <a:cxn ang="0">
+                <a:pos x="connsiteX85" y="connsiteY85"/>
+              </a:cxn>
+              <a:cxn ang="0">
+                <a:pos x="connsiteX86" y="connsiteY86"/>
+              </a:cxn>
+              <a:cxn ang="0">
+                <a:pos x="connsiteX87" y="connsiteY87"/>
+              </a:cxn>
+              <a:cxn ang="0">
+                <a:pos x="connsiteX88" y="connsiteY88"/>
+              </a:cxn>
+              <a:cxn ang="0">
+                <a:pos x="connsiteX89" y="connsiteY89"/>
+              </a:cxn>
+              <a:cxn ang="0">
+                <a:pos x="connsiteX90" y="connsiteY90"/>
+              </a:cxn>
+              <a:cxn ang="0">
+                <a:pos x="connsiteX91" y="connsiteY91"/>
+              </a:cxn>
+              <a:cxn ang="0">
+                <a:pos x="connsiteX92" y="connsiteY92"/>
+              </a:cxn>
+              <a:cxn ang="0">
+                <a:pos x="connsiteX93" y="connsiteY93"/>
+              </a:cxn>
+              <a:cxn ang="0">
+                <a:pos x="connsiteX94" y="connsiteY94"/>
+              </a:cxn>
+              <a:cxn ang="0">
+                <a:pos x="connsiteX95" y="connsiteY95"/>
+              </a:cxn>
+              <a:cxn ang="0">
+                <a:pos x="connsiteX96" y="connsiteY96"/>
+              </a:cxn>
+              <a:cxn ang="0">
+                <a:pos x="connsiteX97" y="connsiteY97"/>
+              </a:cxn>
+              <a:cxn ang="0">
+                <a:pos x="connsiteX98" y="connsiteY98"/>
+              </a:cxn>
+              <a:cxn ang="0">
+                <a:pos x="connsiteX99" y="connsiteY99"/>
+              </a:cxn>
+              <a:cxn ang="0">
+                <a:pos x="connsiteX100" y="connsiteY100"/>
+              </a:cxn>
+              <a:cxn ang="0">
+                <a:pos x="connsiteX101" y="connsiteY101"/>
+              </a:cxn>
+              <a:cxn ang="0">
+                <a:pos x="connsiteX102" y="connsiteY102"/>
+              </a:cxn>
+              <a:cxn ang="0">
+                <a:pos x="connsiteX103" y="connsiteY103"/>
+              </a:cxn>
+              <a:cxn ang="0">
+                <a:pos x="connsiteX104" y="connsiteY104"/>
+              </a:cxn>
+              <a:cxn ang="0">
+                <a:pos x="connsiteX105" y="connsiteY105"/>
+              </a:cxn>
+              <a:cxn ang="0">
+                <a:pos x="connsiteX106" y="connsiteY106"/>
+              </a:cxn>
+              <a:cxn ang="0">
+                <a:pos x="connsiteX107" y="connsiteY107"/>
+              </a:cxn>
+              <a:cxn ang="0">
+                <a:pos x="connsiteX108" y="connsiteY108"/>
+              </a:cxn>
+              <a:cxn ang="0">
+                <a:pos x="connsiteX109" y="connsiteY109"/>
+              </a:cxn>
+              <a:cxn ang="0">
+                <a:pos x="connsiteX110" y="connsiteY110"/>
+              </a:cxn>
+              <a:cxn ang="0">
+                <a:pos x="connsiteX111" y="connsiteY111"/>
+              </a:cxn>
+              <a:cxn ang="0">
+                <a:pos x="connsiteX112" y="connsiteY112"/>
+              </a:cxn>
+              <a:cxn ang="0">
+                <a:pos x="connsiteX113" y="connsiteY113"/>
+              </a:cxn>
+              <a:cxn ang="0">
+                <a:pos x="connsiteX114" y="connsiteY114"/>
+              </a:cxn>
+              <a:cxn ang="0">
+                <a:pos x="connsiteX115" y="connsiteY115"/>
+              </a:cxn>
+              <a:cxn ang="0">
+                <a:pos x="connsiteX116" y="connsiteY116"/>
+              </a:cxn>
+              <a:cxn ang="0">
+                <a:pos x="connsiteX117" y="connsiteY117"/>
+              </a:cxn>
+              <a:cxn ang="0">
+                <a:pos x="connsiteX118" y="connsiteY118"/>
+              </a:cxn>
+              <a:cxn ang="0">
+                <a:pos x="connsiteX119" y="connsiteY119"/>
+              </a:cxn>
+              <a:cxn ang="0">
+                <a:pos x="connsiteX120" y="connsiteY120"/>
+              </a:cxn>
+              <a:cxn ang="0">
+                <a:pos x="connsiteX121" y="connsiteY121"/>
+              </a:cxn>
+              <a:cxn ang="0">
+                <a:pos x="connsiteX122" y="connsiteY122"/>
+              </a:cxn>
+              <a:cxn ang="0">
+                <a:pos x="connsiteX123" y="connsiteY123"/>
+              </a:cxn>
+              <a:cxn ang="0">
+                <a:pos x="connsiteX124" y="connsiteY124"/>
+              </a:cxn>
+              <a:cxn ang="0">
+                <a:pos x="connsiteX125" y="connsiteY125"/>
+              </a:cxn>
+              <a:cxn ang="0">
+                <a:pos x="connsiteX126" y="connsiteY126"/>
+              </a:cxn>
+              <a:cxn ang="0">
+                <a:pos x="connsiteX127" y="connsiteY127"/>
+              </a:cxn>
+              <a:cxn ang="0">
+                <a:pos x="connsiteX128" y="connsiteY128"/>
+              </a:cxn>
+              <a:cxn ang="0">
+                <a:pos x="connsiteX129" y="connsiteY129"/>
+              </a:cxn>
+              <a:cxn ang="0">
+                <a:pos x="connsiteX130" y="connsiteY130"/>
+              </a:cxn>
+              <a:cxn ang="0">
+                <a:pos x="connsiteX131" y="connsiteY131"/>
+              </a:cxn>
+              <a:cxn ang="0">
+                <a:pos x="connsiteX132" y="connsiteY132"/>
+              </a:cxn>
+              <a:cxn ang="0">
+                <a:pos x="connsiteX133" y="connsiteY133"/>
+              </a:cxn>
+              <a:cxn ang="0">
+                <a:pos x="connsiteX134" y="connsiteY134"/>
+              </a:cxn>
+              <a:cxn ang="0">
+                <a:pos x="connsiteX135" y="connsiteY135"/>
+              </a:cxn>
+              <a:cxn ang="0">
+                <a:pos x="connsiteX136" y="connsiteY136"/>
+              </a:cxn>
+              <a:cxn ang="0">
+                <a:pos x="connsiteX137" y="connsiteY137"/>
+              </a:cxn>
+              <a:cxn ang="0">
+                <a:pos x="connsiteX138" y="connsiteY138"/>
+              </a:cxn>
+              <a:cxn ang="0">
+                <a:pos x="connsiteX139" y="connsiteY139"/>
+              </a:cxn>
+              <a:cxn ang="0">
+                <a:pos x="connsiteX140" y="connsiteY140"/>
+              </a:cxn>
+              <a:cxn ang="0">
+                <a:pos x="connsiteX141" y="connsiteY141"/>
+              </a:cxn>
+              <a:cxn ang="0">
+                <a:pos x="connsiteX142" y="connsiteY142"/>
+              </a:cxn>
+            </a:cxnLst>
+            <a:rect l="l" t="t" r="r" b="b"/>
+            <a:pathLst>
+              <a:path w="51206399" h="18964276">
+                <a:moveTo>
+                  <a:pt x="4809065" y="0"/>
+                </a:moveTo>
+                <a:lnTo>
+                  <a:pt x="5063065" y="0"/>
+                </a:lnTo>
+                <a:lnTo>
+                  <a:pt x="5063065" y="3550312"/>
+                </a:lnTo>
+                <a:cubicBezTo>
+                  <a:pt x="5063065" y="3927534"/>
+                  <a:pt x="5368864" y="4233333"/>
+                  <a:pt x="5746086" y="4233333"/>
+                </a:cubicBezTo>
+                <a:lnTo>
+                  <a:pt x="10713111" y="4233333"/>
+                </a:lnTo>
+                <a:cubicBezTo>
+                  <a:pt x="11090333" y="4233333"/>
+                  <a:pt x="11396132" y="3927534"/>
+                  <a:pt x="11396132" y="3550312"/>
+                </a:cubicBezTo>
+                <a:lnTo>
+                  <a:pt x="11396132" y="0"/>
+                </a:lnTo>
+                <a:lnTo>
+                  <a:pt x="11650132" y="0"/>
+                </a:lnTo>
+                <a:lnTo>
+                  <a:pt x="11650132" y="3550312"/>
+                </a:lnTo>
+                <a:cubicBezTo>
+                  <a:pt x="11650132" y="3927534"/>
+                  <a:pt x="11955931" y="4233333"/>
+                  <a:pt x="12333153" y="4233333"/>
+                </a:cubicBezTo>
+                <a:lnTo>
+                  <a:pt x="17300179" y="4233333"/>
+                </a:lnTo>
+                <a:cubicBezTo>
+                  <a:pt x="17677399" y="4233333"/>
+                  <a:pt x="17983199" y="3927534"/>
+                  <a:pt x="17983199" y="3550312"/>
+                </a:cubicBezTo>
+                <a:lnTo>
+                  <a:pt x="17983199" y="0"/>
+                </a:lnTo>
+                <a:lnTo>
+                  <a:pt x="18237199" y="0"/>
+                </a:lnTo>
+                <a:lnTo>
+                  <a:pt x="18237199" y="3550312"/>
+                </a:lnTo>
+                <a:cubicBezTo>
+                  <a:pt x="18237199" y="3927534"/>
+                  <a:pt x="18542999" y="4233333"/>
+                  <a:pt x="18920219" y="4233333"/>
+                </a:cubicBezTo>
+                <a:lnTo>
+                  <a:pt x="23887245" y="4233333"/>
+                </a:lnTo>
+                <a:cubicBezTo>
+                  <a:pt x="24264467" y="4233333"/>
+                  <a:pt x="24570267" y="3927534"/>
+                  <a:pt x="24570267" y="3550312"/>
+                </a:cubicBezTo>
+                <a:lnTo>
+                  <a:pt x="24570267" y="0"/>
+                </a:lnTo>
+                <a:lnTo>
+                  <a:pt x="24824267" y="0"/>
+                </a:lnTo>
+                <a:lnTo>
+                  <a:pt x="24824267" y="3550312"/>
+                </a:lnTo>
+                <a:cubicBezTo>
+                  <a:pt x="24824267" y="3927534"/>
+                  <a:pt x="25130065" y="4233333"/>
+                  <a:pt x="25507287" y="4233333"/>
+                </a:cubicBezTo>
+                <a:lnTo>
+                  <a:pt x="30474311" y="4233333"/>
+                </a:lnTo>
+                <a:cubicBezTo>
+                  <a:pt x="30851535" y="4233333"/>
+                  <a:pt x="31157333" y="3927534"/>
+                  <a:pt x="31157333" y="3550312"/>
+                </a:cubicBezTo>
+                <a:lnTo>
+                  <a:pt x="31157333" y="0"/>
+                </a:lnTo>
+                <a:lnTo>
+                  <a:pt x="51206399" y="0"/>
+                </a:lnTo>
+                <a:lnTo>
+                  <a:pt x="51206399" y="18964276"/>
+                </a:lnTo>
+                <a:lnTo>
+                  <a:pt x="31157333" y="18964276"/>
+                </a:lnTo>
+                <a:lnTo>
+                  <a:pt x="31157333" y="18649288"/>
+                </a:lnTo>
+                <a:cubicBezTo>
+                  <a:pt x="31157333" y="18272064"/>
+                  <a:pt x="30851535" y="17966266"/>
+                  <a:pt x="30474311" y="17966266"/>
+                </a:cubicBezTo>
+                <a:lnTo>
+                  <a:pt x="25507287" y="17966266"/>
+                </a:lnTo>
+                <a:cubicBezTo>
+                  <a:pt x="25130065" y="17966266"/>
+                  <a:pt x="24824267" y="18272064"/>
+                  <a:pt x="24824267" y="18649288"/>
+                </a:cubicBezTo>
+                <a:lnTo>
+                  <a:pt x="24824267" y="18964276"/>
+                </a:lnTo>
+                <a:lnTo>
+                  <a:pt x="24570267" y="18964276"/>
+                </a:lnTo>
+                <a:lnTo>
+                  <a:pt x="24570267" y="18649288"/>
+                </a:lnTo>
+                <a:cubicBezTo>
+                  <a:pt x="24570267" y="18272064"/>
+                  <a:pt x="24264467" y="17966266"/>
+                  <a:pt x="23887245" y="17966266"/>
+                </a:cubicBezTo>
+                <a:lnTo>
+                  <a:pt x="18920219" y="17966266"/>
+                </a:lnTo>
+                <a:cubicBezTo>
+                  <a:pt x="18542999" y="17966266"/>
+                  <a:pt x="18237199" y="18272064"/>
+                  <a:pt x="18237199" y="18649288"/>
+                </a:cubicBezTo>
+                <a:lnTo>
+                  <a:pt x="18237199" y="18964276"/>
+                </a:lnTo>
+                <a:lnTo>
+                  <a:pt x="17983199" y="18964276"/>
+                </a:lnTo>
+                <a:lnTo>
+                  <a:pt x="17983199" y="18649288"/>
+                </a:lnTo>
+                <a:cubicBezTo>
+                  <a:pt x="17983199" y="18272064"/>
+                  <a:pt x="17677399" y="17966266"/>
+                  <a:pt x="17300179" y="17966266"/>
+                </a:cubicBezTo>
+                <a:lnTo>
+                  <a:pt x="12333153" y="17966266"/>
+                </a:lnTo>
+                <a:cubicBezTo>
+                  <a:pt x="11955931" y="17966266"/>
+                  <a:pt x="11650132" y="18272064"/>
+                  <a:pt x="11650132" y="18649288"/>
+                </a:cubicBezTo>
+                <a:lnTo>
+                  <a:pt x="11650132" y="18964276"/>
+                </a:lnTo>
+                <a:lnTo>
+                  <a:pt x="11396132" y="18964276"/>
+                </a:lnTo>
+                <a:lnTo>
+                  <a:pt x="11396132" y="18649288"/>
+                </a:lnTo>
+                <a:cubicBezTo>
+                  <a:pt x="11396132" y="18272064"/>
+                  <a:pt x="11090333" y="17966266"/>
+                  <a:pt x="10713111" y="17966266"/>
+                </a:cubicBezTo>
+                <a:lnTo>
+                  <a:pt x="5746086" y="17966266"/>
+                </a:lnTo>
+                <a:cubicBezTo>
+                  <a:pt x="5368864" y="17966266"/>
+                  <a:pt x="5063065" y="18272064"/>
+                  <a:pt x="5063065" y="18649288"/>
+                </a:cubicBezTo>
+                <a:lnTo>
+                  <a:pt x="5063065" y="18964276"/>
+                </a:lnTo>
+                <a:lnTo>
+                  <a:pt x="4809065" y="18964276"/>
+                </a:lnTo>
+                <a:lnTo>
+                  <a:pt x="4809065" y="18649288"/>
+                </a:lnTo>
+                <a:cubicBezTo>
+                  <a:pt x="4809065" y="18272064"/>
+                  <a:pt x="4503266" y="17966266"/>
+                  <a:pt x="4126044" y="17966266"/>
+                </a:cubicBezTo>
+                <a:lnTo>
+                  <a:pt x="0" y="17966266"/>
+                </a:lnTo>
+                <a:lnTo>
+                  <a:pt x="0" y="17678400"/>
+                </a:lnTo>
+                <a:lnTo>
+                  <a:pt x="4126044" y="17678400"/>
+                </a:lnTo>
+                <a:cubicBezTo>
+                  <a:pt x="4503266" y="17678400"/>
+                  <a:pt x="4809065" y="17372600"/>
+                  <a:pt x="4809065" y="16995378"/>
+                </a:cubicBezTo>
+                <a:lnTo>
+                  <a:pt x="4809065" y="11926754"/>
+                </a:lnTo>
+                <a:cubicBezTo>
+                  <a:pt x="4809065" y="11549532"/>
+                  <a:pt x="4503266" y="11243733"/>
+                  <a:pt x="4126044" y="11243733"/>
+                </a:cubicBezTo>
+                <a:lnTo>
+                  <a:pt x="0" y="11243733"/>
+                </a:lnTo>
+                <a:lnTo>
+                  <a:pt x="0" y="10955866"/>
+                </a:lnTo>
+                <a:lnTo>
+                  <a:pt x="4126044" y="10955866"/>
+                </a:lnTo>
+                <a:cubicBezTo>
+                  <a:pt x="4503266" y="10955866"/>
+                  <a:pt x="4809065" y="10650067"/>
+                  <a:pt x="4809065" y="10272845"/>
+                </a:cubicBezTo>
+                <a:lnTo>
+                  <a:pt x="4809065" y="5204221"/>
+                </a:lnTo>
+                <a:cubicBezTo>
+                  <a:pt x="4809065" y="4826999"/>
+                  <a:pt x="4503266" y="4521200"/>
+                  <a:pt x="4126044" y="4521200"/>
+                </a:cubicBezTo>
+                <a:lnTo>
+                  <a:pt x="0" y="4521200"/>
+                </a:lnTo>
+                <a:lnTo>
+                  <a:pt x="0" y="4233333"/>
+                </a:lnTo>
+                <a:lnTo>
+                  <a:pt x="4126044" y="4233333"/>
+                </a:lnTo>
+                <a:cubicBezTo>
+                  <a:pt x="4503266" y="4233333"/>
+                  <a:pt x="4809065" y="3927534"/>
+                  <a:pt x="4809065" y="3550312"/>
+                </a:cubicBezTo>
+                <a:lnTo>
+                  <a:pt x="4809065" y="0"/>
+                </a:lnTo>
+                <a:close/>
+                <a:moveTo>
+                  <a:pt x="5746086" y="4521200"/>
+                </a:moveTo>
+                <a:cubicBezTo>
+                  <a:pt x="5368864" y="4521200"/>
+                  <a:pt x="5063065" y="4826999"/>
+                  <a:pt x="5063065" y="5204221"/>
+                </a:cubicBezTo>
+                <a:lnTo>
+                  <a:pt x="5063065" y="10272845"/>
+                </a:lnTo>
+                <a:cubicBezTo>
+                  <a:pt x="5063065" y="10650067"/>
+                  <a:pt x="5368864" y="10955866"/>
+                  <a:pt x="5746086" y="10955866"/>
+                </a:cubicBezTo>
+                <a:lnTo>
+                  <a:pt x="10713111" y="10955866"/>
+                </a:lnTo>
+                <a:cubicBezTo>
+                  <a:pt x="11090333" y="10955866"/>
+                  <a:pt x="11396132" y="10650067"/>
+                  <a:pt x="11396132" y="10272845"/>
+                </a:cubicBezTo>
+                <a:lnTo>
+                  <a:pt x="11396132" y="5204221"/>
+                </a:lnTo>
+                <a:cubicBezTo>
+                  <a:pt x="11396132" y="4826999"/>
+                  <a:pt x="11090333" y="4521200"/>
+                  <a:pt x="10713111" y="4521200"/>
+                </a:cubicBezTo>
+                <a:lnTo>
+                  <a:pt x="5746086" y="4521200"/>
+                </a:lnTo>
+                <a:close/>
+                <a:moveTo>
+                  <a:pt x="12333153" y="4521200"/>
+                </a:moveTo>
+                <a:cubicBezTo>
+                  <a:pt x="11955931" y="4521200"/>
+                  <a:pt x="11650132" y="4826999"/>
+                  <a:pt x="11650132" y="5204221"/>
+                </a:cubicBezTo>
+                <a:lnTo>
+                  <a:pt x="11650132" y="10272845"/>
+                </a:lnTo>
+                <a:cubicBezTo>
+                  <a:pt x="11650132" y="10650067"/>
+                  <a:pt x="11955931" y="10955866"/>
+                  <a:pt x="12333153" y="10955866"/>
+                </a:cubicBezTo>
+                <a:lnTo>
+                  <a:pt x="17300179" y="10955866"/>
+                </a:lnTo>
+                <a:cubicBezTo>
+                  <a:pt x="17677399" y="10955866"/>
+                  <a:pt x="17983199" y="10650067"/>
+                  <a:pt x="17983199" y="10272845"/>
+                </a:cubicBezTo>
+                <a:lnTo>
+                  <a:pt x="17983199" y="5204221"/>
+                </a:lnTo>
+                <a:cubicBezTo>
+                  <a:pt x="17983199" y="4826999"/>
+                  <a:pt x="17677399" y="4521200"/>
+                  <a:pt x="17300179" y="4521200"/>
+                </a:cubicBezTo>
+                <a:lnTo>
+                  <a:pt x="12333153" y="4521200"/>
+                </a:lnTo>
+                <a:close/>
+                <a:moveTo>
+                  <a:pt x="18920219" y="4521200"/>
+                </a:moveTo>
+                <a:cubicBezTo>
+                  <a:pt x="18542999" y="4521200"/>
+                  <a:pt x="18237199" y="4826999"/>
+                  <a:pt x="18237199" y="5204221"/>
+                </a:cubicBezTo>
+                <a:lnTo>
+                  <a:pt x="18237199" y="10272845"/>
+                </a:lnTo>
+                <a:cubicBezTo>
+                  <a:pt x="18237199" y="10650067"/>
+                  <a:pt x="18542999" y="10955866"/>
+                  <a:pt x="18920219" y="10955866"/>
+                </a:cubicBezTo>
+                <a:lnTo>
+                  <a:pt x="23887245" y="10955866"/>
+                </a:lnTo>
+                <a:cubicBezTo>
+                  <a:pt x="24264467" y="10955866"/>
+                  <a:pt x="24570267" y="10650067"/>
+                  <a:pt x="24570267" y="10272845"/>
+                </a:cubicBezTo>
+                <a:lnTo>
+                  <a:pt x="24570267" y="5204221"/>
+                </a:lnTo>
+                <a:cubicBezTo>
+                  <a:pt x="24570267" y="4826999"/>
+                  <a:pt x="24264467" y="4521200"/>
+                  <a:pt x="23887245" y="4521200"/>
+                </a:cubicBezTo>
+                <a:lnTo>
+                  <a:pt x="18920219" y="4521200"/>
+                </a:lnTo>
+                <a:close/>
+                <a:moveTo>
+                  <a:pt x="25507287" y="4521200"/>
+                </a:moveTo>
+                <a:cubicBezTo>
+                  <a:pt x="25130065" y="4521200"/>
+                  <a:pt x="24824267" y="4826999"/>
+                  <a:pt x="24824267" y="5204221"/>
+                </a:cubicBezTo>
+                <a:lnTo>
+                  <a:pt x="24824267" y="10272845"/>
+                </a:lnTo>
+                <a:cubicBezTo>
+                  <a:pt x="24824267" y="10650067"/>
+                  <a:pt x="25130065" y="10955866"/>
+                  <a:pt x="25507287" y="10955866"/>
+                </a:cubicBezTo>
+                <a:lnTo>
+                  <a:pt x="30474311" y="10955866"/>
+                </a:lnTo>
+                <a:cubicBezTo>
+                  <a:pt x="30851535" y="10955866"/>
+                  <a:pt x="31157333" y="10650067"/>
+                  <a:pt x="31157333" y="10272845"/>
+                </a:cubicBezTo>
+                <a:lnTo>
+                  <a:pt x="31157333" y="5204221"/>
+                </a:lnTo>
+                <a:cubicBezTo>
+                  <a:pt x="31157333" y="4826999"/>
+                  <a:pt x="30851535" y="4521200"/>
+                  <a:pt x="30474311" y="4521200"/>
+                </a:cubicBezTo>
+                <a:lnTo>
+                  <a:pt x="25507287" y="4521200"/>
+                </a:lnTo>
+                <a:close/>
+                <a:moveTo>
+                  <a:pt x="5746086" y="11243733"/>
+                </a:moveTo>
+                <a:cubicBezTo>
+                  <a:pt x="5368864" y="11243733"/>
+                  <a:pt x="5063065" y="11549532"/>
+                  <a:pt x="5063065" y="11926754"/>
+                </a:cubicBezTo>
+                <a:lnTo>
+                  <a:pt x="5063065" y="16995378"/>
+                </a:lnTo>
+                <a:cubicBezTo>
+                  <a:pt x="5063065" y="17372600"/>
+                  <a:pt x="5368864" y="17678400"/>
+                  <a:pt x="5746086" y="17678400"/>
+                </a:cubicBezTo>
+                <a:lnTo>
+                  <a:pt x="10713111" y="17678400"/>
+                </a:lnTo>
+                <a:cubicBezTo>
+                  <a:pt x="11090333" y="17678400"/>
+                  <a:pt x="11396132" y="17372600"/>
+                  <a:pt x="11396132" y="16995378"/>
+                </a:cubicBezTo>
+                <a:lnTo>
+                  <a:pt x="11396132" y="11926754"/>
+                </a:lnTo>
+                <a:cubicBezTo>
+                  <a:pt x="11396132" y="11549532"/>
+                  <a:pt x="11090333" y="11243733"/>
+                  <a:pt x="10713111" y="11243733"/>
+                </a:cubicBezTo>
+                <a:lnTo>
+                  <a:pt x="5746086" y="11243733"/>
+                </a:lnTo>
+                <a:close/>
+                <a:moveTo>
+                  <a:pt x="12333153" y="11243733"/>
+                </a:moveTo>
+                <a:cubicBezTo>
+                  <a:pt x="11955931" y="11243733"/>
+                  <a:pt x="11650132" y="11549532"/>
+                  <a:pt x="11650132" y="11926754"/>
+                </a:cubicBezTo>
+                <a:lnTo>
+                  <a:pt x="11650132" y="16995378"/>
+                </a:lnTo>
+                <a:cubicBezTo>
+                  <a:pt x="11650132" y="17372600"/>
+                  <a:pt x="11955931" y="17678400"/>
+                  <a:pt x="12333153" y="17678400"/>
+                </a:cubicBezTo>
+                <a:lnTo>
+                  <a:pt x="17300179" y="17678400"/>
+                </a:lnTo>
+                <a:cubicBezTo>
+                  <a:pt x="17677399" y="17678400"/>
+                  <a:pt x="17983199" y="17372600"/>
+                  <a:pt x="17983199" y="16995378"/>
+                </a:cubicBezTo>
+                <a:lnTo>
+                  <a:pt x="17983199" y="11926754"/>
+                </a:lnTo>
+                <a:cubicBezTo>
+                  <a:pt x="17983199" y="11549532"/>
+                  <a:pt x="17677399" y="11243733"/>
+                  <a:pt x="17300179" y="11243733"/>
+                </a:cubicBezTo>
+                <a:lnTo>
+                  <a:pt x="12333153" y="11243733"/>
+                </a:lnTo>
+                <a:close/>
+                <a:moveTo>
+                  <a:pt x="18920219" y="11243733"/>
+                </a:moveTo>
+                <a:cubicBezTo>
+                  <a:pt x="18542999" y="11243733"/>
+                  <a:pt x="18237199" y="11549532"/>
+                  <a:pt x="18237199" y="11926754"/>
+                </a:cubicBezTo>
+                <a:lnTo>
+                  <a:pt x="18237199" y="16995378"/>
+                </a:lnTo>
+                <a:cubicBezTo>
+                  <a:pt x="18237199" y="17372600"/>
+                  <a:pt x="18542999" y="17678400"/>
+                  <a:pt x="18920219" y="17678400"/>
+                </a:cubicBezTo>
+                <a:lnTo>
+                  <a:pt x="23887245" y="17678400"/>
+                </a:lnTo>
+                <a:cubicBezTo>
+                  <a:pt x="24264467" y="17678400"/>
+                  <a:pt x="24570267" y="17372600"/>
+                  <a:pt x="24570267" y="16995378"/>
+                </a:cubicBezTo>
+                <a:lnTo>
+                  <a:pt x="24570267" y="11926754"/>
+                </a:lnTo>
+                <a:cubicBezTo>
+                  <a:pt x="24570267" y="11549532"/>
+                  <a:pt x="24264467" y="11243733"/>
+                  <a:pt x="23887245" y="11243733"/>
+                </a:cubicBezTo>
+                <a:lnTo>
+                  <a:pt x="18920219" y="11243733"/>
+                </a:lnTo>
+                <a:close/>
+                <a:moveTo>
+                  <a:pt x="25507287" y="11243733"/>
+                </a:moveTo>
+                <a:cubicBezTo>
+                  <a:pt x="25130065" y="11243733"/>
+                  <a:pt x="24824267" y="11549532"/>
+                  <a:pt x="24824267" y="11926754"/>
+                </a:cubicBezTo>
+                <a:lnTo>
+                  <a:pt x="24824267" y="16995378"/>
+                </a:lnTo>
+                <a:cubicBezTo>
+                  <a:pt x="24824267" y="17372600"/>
+                  <a:pt x="25130065" y="17678400"/>
+                  <a:pt x="25507287" y="17678400"/>
+                </a:cubicBezTo>
+                <a:lnTo>
+                  <a:pt x="30474311" y="17678400"/>
+                </a:lnTo>
+                <a:cubicBezTo>
+                  <a:pt x="30851535" y="17678400"/>
+                  <a:pt x="31157333" y="17372600"/>
+                  <a:pt x="31157333" y="16995378"/>
+                </a:cubicBezTo>
+                <a:lnTo>
+                  <a:pt x="31157333" y="11926754"/>
+                </a:lnTo>
+                <a:cubicBezTo>
+                  <a:pt x="31157333" y="11549532"/>
+                  <a:pt x="30851535" y="11243733"/>
+                  <a:pt x="30474311" y="11243733"/>
+                </a:cubicBezTo>
+                <a:lnTo>
+                  <a:pt x="25507287" y="11243733"/>
+                </a:lnTo>
+                <a:close/>
+              </a:path>
+            </a:pathLst>
+          </a:custGeom>
+          <a:gradFill>
+            <a:gsLst>
+              <a:gs pos="100000">
+                <a:srgbClr val="E9A0BB"/>
+              </a:gs>
+              <a:gs pos="0">
+                <a:srgbClr val="EECFC7"/>
+              </a:gs>
+            </a:gsLst>
+            <a:lin ang="0" scaled="0"/>
+          </a:gradFill>
+          <a:ln>
+            <a:noFill/>
+          </a:ln>
+        </p:spPr>
+        <p:style>
+          <a:lnRef idx="2">
+            <a:schemeClr val="accent1">
+              <a:shade val="50000"/>
+            </a:schemeClr>
+          </a:lnRef>
+          <a:fillRef idx="1">
+            <a:schemeClr val="accent1"/>
+          </a:fillRef>
+          <a:effectRef idx="0">
+            <a:schemeClr val="accent1"/>
+          </a:effectRef>
+          <a:fontRef idx="minor">
+            <a:schemeClr val="lt1"/>
+          </a:fontRef>
+        </p:style>
+        <p:txBody>
+          <a:bodyPr rtlCol="0" anchor="ctr"/>
+          <a:lstStyle/>
+          <a:p>
+            <a:pPr algn="ctr"/>
+            <a:endParaRPr lang="en-US"/>
+          </a:p>
+        </p:txBody>
+      </p:sp>
+      <p:pic>
+        <p:nvPicPr>
+          <p:cNvPr id="68" name="Picture 67"/>
+          <p:cNvPicPr>
+            <a:picLocks noChangeAspect="1"/>
+          </p:cNvPicPr>
+          <p:nvPr/>
+        </p:nvPicPr>
+        <p:blipFill>
+          <a:blip r:embed="rId3">
+            <a:extLst>
+              <a:ext uri="{28A0092B-C50C-407E-A947-70E740481C1C}">
+                <a14:useLocalDpi xmlns:a14="http://schemas.microsoft.com/office/drawing/2010/main" val="0"/>
+              </a:ext>
+            </a:extLst>
+          </a:blip>
+          <a:stretch>
+            <a:fillRect/>
+          </a:stretch>
+        </p:blipFill>
+        <p:spPr>
+          <a:xfrm>
+            <a:off x="31755981" y="4861187"/>
+            <a:ext cx="11925668" cy="5886169"/>
+          </a:xfrm>
+          <a:prstGeom prst="rect">
+            <a:avLst/>
+          </a:prstGeom>
+        </p:spPr>
+      </p:pic>
+      <p:grpSp>
+        <p:nvGrpSpPr>
+          <p:cNvPr id="69" name="Group 68"/>
+          <p:cNvGrpSpPr/>
+          <p:nvPr/>
+        </p:nvGrpSpPr>
+        <p:grpSpPr>
+          <a:xfrm>
+            <a:off x="31755980" y="10609701"/>
+            <a:ext cx="17568601" cy="2504681"/>
+            <a:chOff x="26286248" y="10781151"/>
+            <a:chExt cx="17568601" cy="2504681"/>
+          </a:xfrm>
+        </p:grpSpPr>
+        <p:pic>
+          <p:nvPicPr>
+            <p:cNvPr id="70" name="Picture 69"/>
+            <p:cNvPicPr>
+              <a:picLocks noChangeAspect="1"/>
+            </p:cNvPicPr>
+            <p:nvPr/>
+          </p:nvPicPr>
+          <p:blipFill>
+            <a:blip r:embed="rId4" cstate="hqprint">
+              <a:extLst>
+                <a:ext uri="{28A0092B-C50C-407E-A947-70E740481C1C}">
+                  <a14:useLocalDpi xmlns:a14="http://schemas.microsoft.com/office/drawing/2010/main" val="0"/>
+                </a:ext>
+              </a:extLst>
+            </a:blip>
+            <a:stretch>
+              <a:fillRect/>
+            </a:stretch>
+          </p:blipFill>
+          <p:spPr>
+            <a:xfrm>
+              <a:off x="26286248" y="10863385"/>
+              <a:ext cx="948144" cy="948144"/>
+            </a:xfrm>
+            <a:prstGeom prst="rect">
+              <a:avLst/>
+            </a:prstGeom>
+          </p:spPr>
+        </p:pic>
+        <p:pic>
+          <p:nvPicPr>
+            <p:cNvPr id="71" name="Picture 70"/>
+            <p:cNvPicPr>
+              <a:picLocks noChangeAspect="1"/>
+            </p:cNvPicPr>
+            <p:nvPr/>
+          </p:nvPicPr>
+          <p:blipFill>
+            <a:blip r:embed="rId5" cstate="hqprint">
+              <a:extLst>
+                <a:ext uri="{28A0092B-C50C-407E-A947-70E740481C1C}">
+                  <a14:useLocalDpi xmlns:a14="http://schemas.microsoft.com/office/drawing/2010/main" val="0"/>
+                </a:ext>
+              </a:extLst>
+            </a:blip>
+            <a:stretch>
+              <a:fillRect/>
+            </a:stretch>
+          </p:blipFill>
+          <p:spPr>
+            <a:xfrm>
+              <a:off x="26286248" y="12223876"/>
+              <a:ext cx="1011300" cy="1011300"/>
+            </a:xfrm>
+            <a:prstGeom prst="rect">
+              <a:avLst/>
+            </a:prstGeom>
+          </p:spPr>
+        </p:pic>
+        <p:sp>
+          <p:nvSpPr>
+            <p:cNvPr id="72" name="TextBox 71"/>
+            <p:cNvSpPr txBox="1"/>
+            <p:nvPr/>
+          </p:nvSpPr>
+          <p:spPr>
+            <a:xfrm>
+              <a:off x="27526148" y="10781151"/>
+              <a:ext cx="16328701" cy="1112612"/>
+            </a:xfrm>
+            <a:prstGeom prst="rect">
+              <a:avLst/>
+            </a:prstGeom>
+            <a:noFill/>
+          </p:spPr>
+          <p:txBody>
+            <a:bodyPr wrap="none" rtlCol="0">
+              <a:spAutoFit/>
+            </a:bodyPr>
+            <a:lstStyle/>
+            <a:p>
+              <a:r>
+                <a:rPr lang="en-US" dirty="0">
+                  <a:solidFill>
+                    <a:srgbClr val="F5F0F4"/>
+                  </a:solidFill>
+                </a:rPr>
+                <a:t>305 Lê Văn </a:t>
+              </a:r>
+              <a:r>
+                <a:rPr lang="en-US" dirty="0" err="1">
+                  <a:solidFill>
+                    <a:srgbClr val="F5F0F4"/>
+                  </a:solidFill>
+                </a:rPr>
+                <a:t>Quới</a:t>
+              </a:r>
+              <a:r>
+                <a:rPr lang="en-US" dirty="0">
+                  <a:solidFill>
+                    <a:srgbClr val="F5F0F4"/>
+                  </a:solidFill>
+                </a:rPr>
+                <a:t>, </a:t>
+              </a:r>
+              <a:r>
+                <a:rPr lang="en-US" dirty="0" err="1">
+                  <a:solidFill>
+                    <a:srgbClr val="F5F0F4"/>
+                  </a:solidFill>
+                </a:rPr>
+                <a:t>Bình</a:t>
+              </a:r>
+              <a:r>
+                <a:rPr lang="en-US" dirty="0">
+                  <a:solidFill>
+                    <a:srgbClr val="F5F0F4"/>
+                  </a:solidFill>
+                </a:rPr>
+                <a:t> </a:t>
+              </a:r>
+              <a:r>
+                <a:rPr lang="en-US" dirty="0" err="1">
+                  <a:solidFill>
+                    <a:srgbClr val="F5F0F4"/>
+                  </a:solidFill>
+                </a:rPr>
+                <a:t>Trị</a:t>
+              </a:r>
+              <a:r>
+                <a:rPr lang="en-US" dirty="0">
+                  <a:solidFill>
+                    <a:srgbClr val="F5F0F4"/>
+                  </a:solidFill>
+                </a:rPr>
+                <a:t> </a:t>
+              </a:r>
+              <a:r>
+                <a:rPr lang="en-US" dirty="0" err="1">
+                  <a:solidFill>
+                    <a:srgbClr val="F5F0F4"/>
+                  </a:solidFill>
+                </a:rPr>
+                <a:t>Đông</a:t>
+              </a:r>
+              <a:r>
+                <a:rPr lang="en-US" dirty="0">
+                  <a:solidFill>
+                    <a:srgbClr val="F5F0F4"/>
+                  </a:solidFill>
+                </a:rPr>
+                <a:t>, </a:t>
+              </a:r>
+              <a:r>
+                <a:rPr lang="en-US" dirty="0" err="1">
+                  <a:solidFill>
+                    <a:srgbClr val="F5F0F4"/>
+                  </a:solidFill>
+                </a:rPr>
+                <a:t>Bình</a:t>
+              </a:r>
+              <a:r>
+                <a:rPr lang="en-US" dirty="0">
+                  <a:solidFill>
+                    <a:srgbClr val="F5F0F4"/>
+                  </a:solidFill>
+                </a:rPr>
+                <a:t> </a:t>
+              </a:r>
+              <a:r>
+                <a:rPr lang="en-US" dirty="0" err="1">
+                  <a:solidFill>
+                    <a:srgbClr val="F5F0F4"/>
+                  </a:solidFill>
+                </a:rPr>
+                <a:t>Tân</a:t>
+              </a:r>
+              <a:r>
+                <a:rPr lang="en-US" dirty="0">
+                  <a:solidFill>
+                    <a:srgbClr val="F5F0F4"/>
+                  </a:solidFill>
+                </a:rPr>
+                <a:t>, HCM</a:t>
+              </a:r>
+            </a:p>
+          </p:txBody>
+        </p:sp>
+        <p:sp>
+          <p:nvSpPr>
+            <p:cNvPr id="73" name="TextBox 72"/>
+            <p:cNvSpPr txBox="1"/>
+            <p:nvPr/>
+          </p:nvSpPr>
+          <p:spPr>
+            <a:xfrm>
+              <a:off x="27526148" y="12173220"/>
+              <a:ext cx="10386177" cy="1112612"/>
+            </a:xfrm>
+            <a:prstGeom prst="rect">
+              <a:avLst/>
+            </a:prstGeom>
+            <a:noFill/>
+          </p:spPr>
+          <p:txBody>
+            <a:bodyPr wrap="none" rtlCol="0">
+              <a:spAutoFit/>
+            </a:bodyPr>
+            <a:lstStyle/>
+            <a:p>
+              <a:r>
+                <a:rPr lang="en-US" dirty="0">
+                  <a:solidFill>
+                    <a:srgbClr val="F5F0F4"/>
+                  </a:solidFill>
+                </a:rPr>
+                <a:t>0932 699 082 </a:t>
+              </a:r>
+              <a:r>
+                <a:rPr lang="en-US" dirty="0" smtClean="0">
+                  <a:solidFill>
+                    <a:srgbClr val="F5F0F4"/>
+                  </a:solidFill>
+                </a:rPr>
+                <a:t>– 0703 829 001</a:t>
+              </a:r>
+              <a:endParaRPr lang="en-US" dirty="0">
+                <a:solidFill>
+                  <a:srgbClr val="F5F0F4"/>
+                </a:solidFill>
+              </a:endParaRPr>
+            </a:p>
+          </p:txBody>
+        </p:sp>
+      </p:grpSp>
+    </p:spTree>
+    <p:extLst>
+      <p:ext uri="{BB962C8B-B14F-4D97-AF65-F5344CB8AC3E}">
+        <p14:creationId xmlns:p14="http://schemas.microsoft.com/office/powerpoint/2010/main" val="1002002028"/>
+      </p:ext>
+    </p:extLst>
+  </p:cSld>
+  <p:clrMapOvr>
+    <a:masterClrMapping/>
+  </p:clrMapOvr>
+  <p:timing>
+    <p:tnLst>
+      <p:par>
+        <p:cTn id="1" dur="indefinite" restart="never" nodeType="tmRoot"/>
+      </p:par>
+    </p:tnLst>
+  </p:timing>
+</p:sld>
+</file>
+
 <file path=ppt/theme/theme1.xml><?xml version="1.0" encoding="utf-8"?>
 <a:theme xmlns:a="http://schemas.openxmlformats.org/drawingml/2006/main" name="Office Theme">
   <a:themeElements>
